--- a/materials/slides/ch10-ionic-ui-component-2-slide-menu-segment.pptx
+++ b/materials/slides/ch10-ionic-ui-component-2-slide-menu-segment.pptx
@@ -5,7 +5,7 @@
     <p:sldMasterId id="2147483765" r:id="rId1"/>
   </p:sldMasterIdLst>
   <p:notesMasterIdLst>
-    <p:notesMasterId r:id="rId12"/>
+    <p:notesMasterId r:id="rId15"/>
   </p:notesMasterIdLst>
   <p:sldIdLst>
     <p:sldId id="773" r:id="rId2"/>
@@ -17,7 +17,10 @@
     <p:sldId id="944" r:id="rId8"/>
     <p:sldId id="945" r:id="rId9"/>
     <p:sldId id="946" r:id="rId10"/>
-    <p:sldId id="794" r:id="rId11"/>
+    <p:sldId id="947" r:id="rId11"/>
+    <p:sldId id="948" r:id="rId12"/>
+    <p:sldId id="949" r:id="rId13"/>
+    <p:sldId id="794" r:id="rId14"/>
   </p:sldIdLst>
   <p:sldSz cx="12192000" cy="6858000"/>
   <p:notesSz cx="6797675" cy="9928225"/>
@@ -148,7 +151,7 @@
   </p:defaultTextStyle>
   <p:extLst>
     <p:ext uri="{EFAFB233-063F-42B5-8137-9DF3F51BA10A}">
-      <p15:sldGuideLst xmlns="" xmlns:p15="http://schemas.microsoft.com/office/powerpoint/2012/main">
+      <p15:sldGuideLst xmlns:p15="http://schemas.microsoft.com/office/powerpoint/2012/main" xmlns="">
         <p15:guide id="1" orient="horz" pos="1584">
           <p15:clr>
             <a:srgbClr val="A4A3A4"/>
@@ -2818,6 +2821,844 @@
           <a:chExt cx="0" cy="0"/>
         </a:xfrm>
       </p:grpSpPr>
+      <p:sp>
+        <p:nvSpPr>
+          <p:cNvPr id="30722" name="内容占位符 3"/>
+          <p:cNvSpPr>
+            <a:spLocks noGrp="1"/>
+          </p:cNvSpPr>
+          <p:nvPr>
+            <p:ph sz="quarter" idx="10"/>
+          </p:nvPr>
+        </p:nvSpPr>
+        <p:spPr bwMode="auto">
+          <a:xfrm>
+            <a:off x="693526" y="980480"/>
+            <a:ext cx="10300718" cy="4897642"/>
+          </a:xfrm>
+          <a:solidFill>
+            <a:schemeClr val="bg1"/>
+          </a:solidFill>
+          <a:extLst/>
+        </p:spPr>
+        <p:txBody>
+          <a:bodyPr vert="horz" wrap="square" lIns="91440" tIns="45720" rIns="91440" bIns="45720" numCol="1" anchor="t" anchorCtr="0" compatLnSpc="1">
+            <a:prstTxWarp prst="textNoShape">
+              <a:avLst/>
+            </a:prstTxWarp>
+          </a:bodyPr>
+          <a:lstStyle/>
+          <a:p>
+            <a:pPr marL="360000"/>
+            <a:r>
+              <a:rPr lang="en-US" altLang="zh-CN" dirty="0"/>
+              <a:t> ion-segment</a:t>
+            </a:r>
+            <a:endParaRPr lang="en-US" altLang="zh-CN" dirty="0" smtClean="0"/>
+          </a:p>
+          <a:p>
+            <a:pPr marL="591775" lvl="1"/>
+            <a:r>
+              <a:rPr lang="en-US" altLang="zh-CN" dirty="0" smtClean="0"/>
+              <a:t> </a:t>
+            </a:r>
+            <a:r>
+              <a:rPr lang="zh-CN" altLang="en-US" dirty="0" smtClean="0"/>
+              <a:t>分段控件</a:t>
+            </a:r>
+            <a:endParaRPr lang="en-US" altLang="zh-CN" dirty="0" smtClean="0"/>
+          </a:p>
+          <a:p>
+            <a:pPr marL="360000"/>
+            <a:r>
+              <a:rPr lang="en-US" altLang="zh-CN" dirty="0"/>
+              <a:t> </a:t>
+            </a:r>
+            <a:r>
+              <a:rPr lang="en-US" altLang="zh-CN" dirty="0" smtClean="0"/>
+              <a:t>ion-segment-button</a:t>
+            </a:r>
+          </a:p>
+          <a:p>
+            <a:pPr marL="591775" lvl="1"/>
+            <a:r>
+              <a:rPr lang="en-US" altLang="zh-CN" dirty="0"/>
+              <a:t> ion-segment</a:t>
+            </a:r>
+            <a:r>
+              <a:rPr lang="zh-CN" altLang="en-US" dirty="0"/>
+              <a:t>组件的子</a:t>
+            </a:r>
+            <a:r>
+              <a:rPr lang="zh-CN" altLang="en-US" dirty="0" smtClean="0"/>
+              <a:t>按钮</a:t>
+            </a:r>
+            <a:endParaRPr lang="en-US" altLang="zh-CN" dirty="0" smtClean="0"/>
+          </a:p>
+          <a:p>
+            <a:pPr marL="591775" lvl="1"/>
+            <a:r>
+              <a:rPr lang="en-US" altLang="zh-CN" dirty="0" smtClean="0"/>
+              <a:t> </a:t>
+            </a:r>
+            <a:r>
+              <a:rPr lang="zh-CN" altLang="en-US" dirty="0" smtClean="0"/>
+              <a:t>事件</a:t>
+            </a:r>
+            <a:endParaRPr lang="en-US" altLang="zh-CN" dirty="0" smtClean="0"/>
+          </a:p>
+          <a:p>
+            <a:pPr marL="593362" lvl="2"/>
+            <a:r>
+              <a:rPr lang="en-US" altLang="zh-CN" dirty="0" smtClean="0"/>
+              <a:t> </a:t>
+            </a:r>
+            <a:r>
+              <a:rPr lang="en-US" altLang="zh-CN" dirty="0" err="1" smtClean="0"/>
+              <a:t>ionSelect</a:t>
+            </a:r>
+            <a:endParaRPr lang="en-US" altLang="zh-CN" dirty="0" smtClean="0"/>
+          </a:p>
+          <a:p>
+            <a:pPr marL="593362" lvl="2"/>
+            <a:r>
+              <a:rPr lang="zh-CN" altLang="en-US" dirty="0" smtClean="0"/>
+              <a:t> 点击</a:t>
+            </a:r>
+            <a:r>
+              <a:rPr lang="zh-CN" altLang="en-US" dirty="0"/>
+              <a:t>分段按钮时发出</a:t>
+            </a:r>
+            <a:endParaRPr lang="en-US" altLang="zh-CN" dirty="0"/>
+          </a:p>
+          <a:p>
+            <a:pPr marL="360000"/>
+            <a:endParaRPr lang="en-US" altLang="zh-CN" dirty="0" smtClean="0"/>
+          </a:p>
+          <a:p>
+            <a:pPr marL="591775" lvl="1"/>
+            <a:endParaRPr lang="en-US" altLang="zh-CN" sz="2000" dirty="0" smtClean="0"/>
+          </a:p>
+        </p:txBody>
+      </p:sp>
+      <p:sp>
+        <p:nvSpPr>
+          <p:cNvPr id="25603" name="内容占位符 4"/>
+          <p:cNvSpPr>
+            <a:spLocks noGrp="1"/>
+          </p:cNvSpPr>
+          <p:nvPr>
+            <p:ph sz="quarter" idx="11"/>
+          </p:nvPr>
+        </p:nvSpPr>
+        <p:spPr bwMode="auto">
+          <a:xfrm>
+            <a:off x="909638" y="236538"/>
+            <a:ext cx="7575550" cy="490537"/>
+          </a:xfrm>
+          <a:extLst>
+            <a:ext uri="{909E8E84-426E-40DD-AFC4-6F175D3DCCD1}">
+              <a14:hiddenFill xmlns:a14="http://schemas.microsoft.com/office/drawing/2010/main">
+                <a:solidFill>
+                  <a:srgbClr val="FFFFFF"/>
+                </a:solidFill>
+              </a14:hiddenFill>
+            </a:ext>
+            <a:ext uri="{91240B29-F687-4F45-9708-019B960494DF}">
+              <a14:hiddenLine xmlns:a14="http://schemas.microsoft.com/office/drawing/2010/main" w="9525">
+                <a:solidFill>
+                  <a:srgbClr val="000000"/>
+                </a:solidFill>
+                <a:miter lim="800000"/>
+                <a:headEnd/>
+                <a:tailEnd/>
+              </a14:hiddenLine>
+            </a:ext>
+          </a:extLst>
+        </p:spPr>
+        <p:txBody>
+          <a:bodyPr vert="horz" wrap="square" lIns="91440" tIns="45720" rIns="91440" bIns="45720" numCol="1" anchor="t" anchorCtr="0" compatLnSpc="1">
+            <a:prstTxWarp prst="textNoShape">
+              <a:avLst/>
+            </a:prstTxWarp>
+          </a:bodyPr>
+          <a:lstStyle/>
+          <a:p>
+            <a:pPr>
+              <a:defRPr/>
+            </a:pPr>
+            <a:r>
+              <a:rPr lang="zh-CN" altLang="en-US" dirty="0" smtClean="0">
+                <a:latin typeface="+mn-ea"/>
+                <a:ea typeface="+mn-ea"/>
+              </a:rPr>
+              <a:t>节点按钮</a:t>
+            </a:r>
+            <a:r>
+              <a:rPr lang="zh-CN" altLang="en-US" dirty="0" smtClean="0">
+                <a:latin typeface="+mn-ea"/>
+                <a:ea typeface="+mn-ea"/>
+              </a:rPr>
+              <a:t>组件</a:t>
+            </a:r>
+            <a:endParaRPr lang="zh-CN" altLang="en-US" dirty="0" smtClean="0">
+              <a:latin typeface="+mn-ea"/>
+              <a:ea typeface="+mn-ea"/>
+            </a:endParaRPr>
+          </a:p>
+        </p:txBody>
+      </p:sp>
+    </p:spTree>
+    <p:extLst>
+      <p:ext uri="{BB962C8B-B14F-4D97-AF65-F5344CB8AC3E}">
+        <p14:creationId xmlns:p14="http://schemas.microsoft.com/office/powerpoint/2010/main" val="2093131693"/>
+      </p:ext>
+    </p:extLst>
+  </p:cSld>
+  <p:clrMapOvr>
+    <a:masterClrMapping/>
+  </p:clrMapOvr>
+  <p:timing>
+    <p:tnLst>
+      <p:par>
+        <p:cTn id="1" dur="indefinite" restart="never" nodeType="tmRoot"/>
+      </p:par>
+    </p:tnLst>
+  </p:timing>
+</p:sld>
+</file>
+
+<file path=ppt/slides/slide11.xml><?xml version="1.0" encoding="utf-8"?>
+<p:sld xmlns:a="http://schemas.openxmlformats.org/drawingml/2006/main" xmlns:r="http://schemas.openxmlformats.org/officeDocument/2006/relationships" xmlns:p="http://schemas.openxmlformats.org/presentationml/2006/main">
+  <p:cSld>
+    <p:spTree>
+      <p:nvGrpSpPr>
+        <p:cNvPr id="1" name=""/>
+        <p:cNvGrpSpPr/>
+        <p:nvPr/>
+      </p:nvGrpSpPr>
+      <p:grpSpPr>
+        <a:xfrm>
+          <a:off x="0" y="0"/>
+          <a:ext cx="0" cy="0"/>
+          <a:chOff x="0" y="0"/>
+          <a:chExt cx="0" cy="0"/>
+        </a:xfrm>
+      </p:grpSpPr>
+      <p:sp>
+        <p:nvSpPr>
+          <p:cNvPr id="30722" name="内容占位符 3"/>
+          <p:cNvSpPr>
+            <a:spLocks noGrp="1"/>
+          </p:cNvSpPr>
+          <p:nvPr>
+            <p:ph sz="quarter" idx="10"/>
+          </p:nvPr>
+        </p:nvSpPr>
+        <p:spPr bwMode="auto">
+          <a:xfrm>
+            <a:off x="693526" y="980480"/>
+            <a:ext cx="10300718" cy="4897642"/>
+          </a:xfrm>
+          <a:solidFill>
+            <a:schemeClr val="bg1"/>
+          </a:solidFill>
+          <a:extLst/>
+        </p:spPr>
+        <p:txBody>
+          <a:bodyPr vert="horz" wrap="square" lIns="91440" tIns="45720" rIns="91440" bIns="45720" numCol="1" anchor="t" anchorCtr="0" compatLnSpc="1">
+            <a:prstTxWarp prst="textNoShape">
+              <a:avLst/>
+            </a:prstTxWarp>
+          </a:bodyPr>
+          <a:lstStyle/>
+          <a:p>
+            <a:pPr marL="360000"/>
+            <a:r>
+              <a:rPr lang="en-US" altLang="zh-CN" dirty="0"/>
+              <a:t> </a:t>
+            </a:r>
+            <a:r>
+              <a:rPr lang="zh-CN" altLang="en-US" dirty="0" smtClean="0"/>
+              <a:t>代码示例</a:t>
+            </a:r>
+            <a:endParaRPr lang="en-US" altLang="zh-CN" dirty="0" smtClean="0"/>
+          </a:p>
+          <a:p>
+            <a:pPr marL="361587" lvl="1" indent="0">
+              <a:buNone/>
+            </a:pPr>
+            <a:r>
+              <a:rPr lang="en-US" altLang="zh-CN" dirty="0"/>
+              <a:t>&lt;</a:t>
+            </a:r>
+            <a:r>
+              <a:rPr lang="en-US" altLang="zh-CN" b="1" dirty="0"/>
+              <a:t>ion-segment</a:t>
+            </a:r>
+            <a:r>
+              <a:rPr lang="en-US" altLang="zh-CN" dirty="0"/>
+              <a:t> [(</a:t>
+            </a:r>
+            <a:r>
+              <a:rPr lang="en-US" altLang="zh-CN" dirty="0" err="1"/>
+              <a:t>ngModel</a:t>
+            </a:r>
+            <a:r>
+              <a:rPr lang="en-US" altLang="zh-CN" dirty="0"/>
+              <a:t>)]="icons" </a:t>
+            </a:r>
+            <a:r>
+              <a:rPr lang="en-US" altLang="zh-CN" dirty="0" smtClean="0"/>
+              <a:t> color="secondary"&gt; </a:t>
+            </a:r>
+          </a:p>
+          <a:p>
+            <a:pPr marL="361587" lvl="1" indent="0">
+              <a:buNone/>
+            </a:pPr>
+            <a:r>
+              <a:rPr lang="en-US" altLang="zh-CN" dirty="0" smtClean="0"/>
+              <a:t>        &lt;</a:t>
+            </a:r>
+            <a:r>
+              <a:rPr lang="en-US" altLang="zh-CN" b="1" dirty="0"/>
+              <a:t>ion-segment-button</a:t>
+            </a:r>
+            <a:r>
+              <a:rPr lang="en-US" altLang="zh-CN" dirty="0"/>
+              <a:t> value</a:t>
+            </a:r>
+            <a:r>
+              <a:rPr lang="en-US" altLang="zh-CN" dirty="0" smtClean="0"/>
+              <a:t>=“camera”&gt; </a:t>
+            </a:r>
+            <a:r>
+              <a:rPr lang="zh-CN" altLang="en-US" dirty="0" smtClean="0"/>
+              <a:t>相机</a:t>
+            </a:r>
+            <a:endParaRPr lang="en-US" altLang="zh-CN" dirty="0" smtClean="0"/>
+          </a:p>
+          <a:p>
+            <a:pPr marL="361587" lvl="1" indent="0">
+              <a:buNone/>
+            </a:pPr>
+            <a:r>
+              <a:rPr lang="en-US" altLang="zh-CN" dirty="0" smtClean="0"/>
+              <a:t>        &lt;/</a:t>
+            </a:r>
+            <a:r>
+              <a:rPr lang="en-US" altLang="zh-CN" b="1" dirty="0"/>
+              <a:t>ion-segment-button</a:t>
+            </a:r>
+            <a:r>
+              <a:rPr lang="en-US" altLang="zh-CN" dirty="0"/>
+              <a:t>&gt; </a:t>
+            </a:r>
+            <a:endParaRPr lang="en-US" altLang="zh-CN" dirty="0" smtClean="0"/>
+          </a:p>
+          <a:p>
+            <a:pPr marL="361587" lvl="1" indent="0">
+              <a:buNone/>
+            </a:pPr>
+            <a:r>
+              <a:rPr lang="en-US" altLang="zh-CN" dirty="0" smtClean="0"/>
+              <a:t>        &lt;</a:t>
+            </a:r>
+            <a:r>
+              <a:rPr lang="en-US" altLang="zh-CN" b="1" dirty="0"/>
+              <a:t>ion-segment-button</a:t>
+            </a:r>
+            <a:r>
+              <a:rPr lang="en-US" altLang="zh-CN" dirty="0"/>
+              <a:t> value="bookmark"&gt; </a:t>
+            </a:r>
+            <a:endParaRPr lang="en-US" altLang="zh-CN" dirty="0" smtClean="0"/>
+          </a:p>
+          <a:p>
+            <a:pPr marL="361587" lvl="1" indent="0">
+              <a:buNone/>
+            </a:pPr>
+            <a:r>
+              <a:rPr lang="en-US" altLang="zh-CN" dirty="0" smtClean="0"/>
+              <a:t>	                &lt;</a:t>
+            </a:r>
+            <a:r>
+              <a:rPr lang="en-US" altLang="zh-CN" b="1" dirty="0"/>
+              <a:t>ion-icon</a:t>
+            </a:r>
+            <a:r>
+              <a:rPr lang="en-US" altLang="zh-CN" dirty="0"/>
+              <a:t> name="bookmark</a:t>
+            </a:r>
+            <a:r>
+              <a:rPr lang="en-US" altLang="zh-CN" dirty="0" smtClean="0"/>
+              <a:t>"&gt;&lt;/</a:t>
+            </a:r>
+            <a:r>
+              <a:rPr lang="en-US" altLang="zh-CN" b="1" dirty="0"/>
+              <a:t>ion-icon</a:t>
+            </a:r>
+            <a:r>
+              <a:rPr lang="en-US" altLang="zh-CN" dirty="0"/>
+              <a:t>&gt; </a:t>
+            </a:r>
+            <a:endParaRPr lang="en-US" altLang="zh-CN" dirty="0" smtClean="0"/>
+          </a:p>
+          <a:p>
+            <a:pPr marL="361587" lvl="1" indent="0">
+              <a:buNone/>
+            </a:pPr>
+            <a:r>
+              <a:rPr lang="en-US" altLang="zh-CN" dirty="0" smtClean="0"/>
+              <a:t>        &lt;/</a:t>
+            </a:r>
+            <a:r>
+              <a:rPr lang="en-US" altLang="zh-CN" b="1" dirty="0"/>
+              <a:t>ion-segment-button</a:t>
+            </a:r>
+            <a:r>
+              <a:rPr lang="en-US" altLang="zh-CN" dirty="0"/>
+              <a:t>&gt; </a:t>
+            </a:r>
+            <a:endParaRPr lang="en-US" altLang="zh-CN" dirty="0" smtClean="0"/>
+          </a:p>
+          <a:p>
+            <a:pPr marL="361587" lvl="1" indent="0">
+              <a:buNone/>
+            </a:pPr>
+            <a:r>
+              <a:rPr lang="en-US" altLang="zh-CN" dirty="0" smtClean="0"/>
+              <a:t>&lt;/</a:t>
+            </a:r>
+            <a:r>
+              <a:rPr lang="en-US" altLang="zh-CN" b="1" dirty="0"/>
+              <a:t>ion-segment</a:t>
+            </a:r>
+            <a:r>
+              <a:rPr lang="en-US" altLang="zh-CN" dirty="0"/>
+              <a:t>&gt;</a:t>
+            </a:r>
+            <a:endParaRPr lang="en-US" altLang="zh-CN" dirty="0" smtClean="0"/>
+          </a:p>
+          <a:p>
+            <a:pPr marL="591775" lvl="1"/>
+            <a:endParaRPr lang="en-US" altLang="zh-CN" sz="2000" dirty="0" smtClean="0"/>
+          </a:p>
+        </p:txBody>
+      </p:sp>
+      <p:sp>
+        <p:nvSpPr>
+          <p:cNvPr id="25603" name="内容占位符 4"/>
+          <p:cNvSpPr>
+            <a:spLocks noGrp="1"/>
+          </p:cNvSpPr>
+          <p:nvPr>
+            <p:ph sz="quarter" idx="11"/>
+          </p:nvPr>
+        </p:nvSpPr>
+        <p:spPr bwMode="auto">
+          <a:xfrm>
+            <a:off x="909638" y="236538"/>
+            <a:ext cx="7575550" cy="490537"/>
+          </a:xfrm>
+          <a:extLst>
+            <a:ext uri="{909E8E84-426E-40DD-AFC4-6F175D3DCCD1}">
+              <a14:hiddenFill xmlns:a14="http://schemas.microsoft.com/office/drawing/2010/main">
+                <a:solidFill>
+                  <a:srgbClr val="FFFFFF"/>
+                </a:solidFill>
+              </a14:hiddenFill>
+            </a:ext>
+            <a:ext uri="{91240B29-F687-4F45-9708-019B960494DF}">
+              <a14:hiddenLine xmlns:a14="http://schemas.microsoft.com/office/drawing/2010/main" w="9525">
+                <a:solidFill>
+                  <a:srgbClr val="000000"/>
+                </a:solidFill>
+                <a:miter lim="800000"/>
+                <a:headEnd/>
+                <a:tailEnd/>
+              </a14:hiddenLine>
+            </a:ext>
+          </a:extLst>
+        </p:spPr>
+        <p:txBody>
+          <a:bodyPr vert="horz" wrap="square" lIns="91440" tIns="45720" rIns="91440" bIns="45720" numCol="1" anchor="t" anchorCtr="0" compatLnSpc="1">
+            <a:prstTxWarp prst="textNoShape">
+              <a:avLst/>
+            </a:prstTxWarp>
+          </a:bodyPr>
+          <a:lstStyle/>
+          <a:p>
+            <a:pPr>
+              <a:defRPr/>
+            </a:pPr>
+            <a:r>
+              <a:rPr lang="zh-CN" altLang="en-US" dirty="0" smtClean="0">
+                <a:latin typeface="+mn-ea"/>
+                <a:ea typeface="+mn-ea"/>
+              </a:rPr>
+              <a:t>节点按钮</a:t>
+            </a:r>
+            <a:r>
+              <a:rPr lang="zh-CN" altLang="en-US" dirty="0" smtClean="0">
+                <a:latin typeface="+mn-ea"/>
+                <a:ea typeface="+mn-ea"/>
+              </a:rPr>
+              <a:t>组件</a:t>
+            </a:r>
+            <a:endParaRPr lang="zh-CN" altLang="en-US" dirty="0" smtClean="0">
+              <a:latin typeface="+mn-ea"/>
+              <a:ea typeface="+mn-ea"/>
+            </a:endParaRPr>
+          </a:p>
+        </p:txBody>
+      </p:sp>
+    </p:spTree>
+    <p:extLst>
+      <p:ext uri="{BB962C8B-B14F-4D97-AF65-F5344CB8AC3E}">
+        <p14:creationId xmlns:p14="http://schemas.microsoft.com/office/powerpoint/2010/main" val="832405177"/>
+      </p:ext>
+    </p:extLst>
+  </p:cSld>
+  <p:clrMapOvr>
+    <a:masterClrMapping/>
+  </p:clrMapOvr>
+  <p:timing>
+    <p:tnLst>
+      <p:par>
+        <p:cTn id="1" dur="indefinite" restart="never" nodeType="tmRoot"/>
+      </p:par>
+    </p:tnLst>
+  </p:timing>
+</p:sld>
+</file>
+
+<file path=ppt/slides/slide12.xml><?xml version="1.0" encoding="utf-8"?>
+<p:sld xmlns:a="http://schemas.openxmlformats.org/drawingml/2006/main" xmlns:r="http://schemas.openxmlformats.org/officeDocument/2006/relationships" xmlns:p="http://schemas.openxmlformats.org/presentationml/2006/main">
+  <p:cSld>
+    <p:spTree>
+      <p:nvGrpSpPr>
+        <p:cNvPr id="1" name=""/>
+        <p:cNvGrpSpPr/>
+        <p:nvPr/>
+      </p:nvGrpSpPr>
+      <p:grpSpPr>
+        <a:xfrm>
+          <a:off x="0" y="0"/>
+          <a:ext cx="0" cy="0"/>
+          <a:chOff x="0" y="0"/>
+          <a:chExt cx="0" cy="0"/>
+        </a:xfrm>
+      </p:grpSpPr>
+      <p:sp>
+        <p:nvSpPr>
+          <p:cNvPr id="30722" name="内容占位符 3"/>
+          <p:cNvSpPr>
+            <a:spLocks noGrp="1"/>
+          </p:cNvSpPr>
+          <p:nvPr>
+            <p:ph sz="quarter" idx="10"/>
+          </p:nvPr>
+        </p:nvSpPr>
+        <p:spPr bwMode="auto">
+          <a:xfrm>
+            <a:off x="693526" y="980480"/>
+            <a:ext cx="10300718" cy="4897642"/>
+          </a:xfrm>
+          <a:solidFill>
+            <a:schemeClr val="bg1"/>
+          </a:solidFill>
+          <a:extLst/>
+        </p:spPr>
+        <p:txBody>
+          <a:bodyPr vert="horz" wrap="square" lIns="91440" tIns="45720" rIns="91440" bIns="45720" numCol="1" anchor="t" anchorCtr="0" compatLnSpc="1">
+            <a:prstTxWarp prst="textNoShape">
+              <a:avLst/>
+            </a:prstTxWarp>
+          </a:bodyPr>
+          <a:lstStyle/>
+          <a:p>
+            <a:pPr marL="360000"/>
+            <a:r>
+              <a:rPr lang="en-US" altLang="zh-CN" dirty="0" smtClean="0"/>
+              <a:t> </a:t>
+            </a:r>
+            <a:r>
+              <a:rPr lang="zh-CN" altLang="en-US" dirty="0" smtClean="0"/>
+              <a:t>与 </a:t>
+            </a:r>
+            <a:r>
+              <a:rPr lang="en-US" altLang="zh-CN" dirty="0" smtClean="0"/>
+              <a:t>[</a:t>
+            </a:r>
+            <a:r>
+              <a:rPr lang="en-US" altLang="zh-CN" dirty="0" err="1" smtClean="0"/>
+              <a:t>ngSwitch</a:t>
+            </a:r>
+            <a:r>
+              <a:rPr lang="en-US" altLang="zh-CN" dirty="0" smtClean="0"/>
+              <a:t>] </a:t>
+            </a:r>
+            <a:r>
+              <a:rPr lang="zh-CN" altLang="en-US" dirty="0" smtClean="0"/>
+              <a:t>连用</a:t>
+            </a:r>
+            <a:endParaRPr lang="en-US" altLang="zh-CN" dirty="0" smtClean="0"/>
+          </a:p>
+          <a:p>
+            <a:pPr marL="360000"/>
+            <a:r>
+              <a:rPr lang="en-US" altLang="zh-CN" dirty="0"/>
+              <a:t> </a:t>
+            </a:r>
+            <a:r>
+              <a:rPr lang="zh-CN" altLang="en-US" dirty="0" smtClean="0"/>
+              <a:t>代码示例</a:t>
+            </a:r>
+            <a:endParaRPr lang="en-US" altLang="zh-CN" dirty="0" smtClean="0"/>
+          </a:p>
+          <a:p>
+            <a:pPr marL="361587" lvl="1" indent="0">
+              <a:buNone/>
+            </a:pPr>
+            <a:r>
+              <a:rPr lang="en-US" altLang="zh-CN" dirty="0"/>
+              <a:t>&lt;</a:t>
+            </a:r>
+            <a:r>
+              <a:rPr lang="en-US" altLang="zh-CN" b="1" dirty="0"/>
+              <a:t>div</a:t>
+            </a:r>
+            <a:r>
+              <a:rPr lang="en-US" altLang="zh-CN" dirty="0"/>
+              <a:t> [</a:t>
+            </a:r>
+            <a:r>
+              <a:rPr lang="en-US" altLang="zh-CN" dirty="0" err="1"/>
+              <a:t>ngSwitch</a:t>
+            </a:r>
+            <a:r>
+              <a:rPr lang="en-US" altLang="zh-CN" dirty="0" smtClean="0"/>
+              <a:t>]="</a:t>
+            </a:r>
+            <a:r>
+              <a:rPr lang="en-US" altLang="zh-CN" dirty="0"/>
+              <a:t> icons </a:t>
+            </a:r>
+            <a:r>
+              <a:rPr lang="en-US" altLang="zh-CN" dirty="0" smtClean="0"/>
+              <a:t>"&gt; </a:t>
+            </a:r>
+          </a:p>
+          <a:p>
+            <a:pPr marL="361587" lvl="1" indent="0">
+              <a:buNone/>
+            </a:pPr>
+            <a:r>
+              <a:rPr lang="en-US" altLang="zh-CN" dirty="0" smtClean="0"/>
+              <a:t>		        &lt;</a:t>
+            </a:r>
+            <a:r>
+              <a:rPr lang="en-US" altLang="zh-CN" b="1" dirty="0"/>
+              <a:t>ion-list</a:t>
+            </a:r>
+            <a:r>
+              <a:rPr lang="en-US" altLang="zh-CN" dirty="0"/>
+              <a:t> *</a:t>
+            </a:r>
+            <a:r>
+              <a:rPr lang="en-US" altLang="zh-CN" dirty="0" err="1"/>
+              <a:t>ngSwitchCase</a:t>
+            </a:r>
+            <a:r>
+              <a:rPr lang="en-US" altLang="zh-CN" dirty="0" smtClean="0"/>
+              <a:t>="'</a:t>
+            </a:r>
+            <a:r>
+              <a:rPr lang="en-US" altLang="zh-CN" dirty="0"/>
+              <a:t> camera </a:t>
+            </a:r>
+            <a:r>
+              <a:rPr lang="en-US" altLang="zh-CN" dirty="0" smtClean="0"/>
+              <a:t>'"&gt; </a:t>
+            </a:r>
+          </a:p>
+          <a:p>
+            <a:pPr marL="361587" lvl="1" indent="0">
+              <a:buNone/>
+            </a:pPr>
+            <a:r>
+              <a:rPr lang="en-US" altLang="zh-CN" dirty="0" smtClean="0"/>
+              <a:t>                &lt;</a:t>
+            </a:r>
+            <a:r>
+              <a:rPr lang="en-US" altLang="zh-CN" b="1" dirty="0"/>
+              <a:t>ion-item</a:t>
+            </a:r>
+            <a:r>
+              <a:rPr lang="en-US" altLang="zh-CN" dirty="0" smtClean="0"/>
+              <a:t>&gt;&lt;/</a:t>
+            </a:r>
+            <a:r>
+              <a:rPr lang="en-US" altLang="zh-CN" b="1" dirty="0"/>
+              <a:t>ion-item</a:t>
+            </a:r>
+            <a:r>
+              <a:rPr lang="en-US" altLang="zh-CN" dirty="0"/>
+              <a:t>&gt; </a:t>
+            </a:r>
+            <a:endParaRPr lang="en-US" altLang="zh-CN" dirty="0" smtClean="0"/>
+          </a:p>
+          <a:p>
+            <a:pPr marL="361587" lvl="1" indent="0">
+              <a:buNone/>
+            </a:pPr>
+            <a:r>
+              <a:rPr lang="en-US" altLang="zh-CN" dirty="0" smtClean="0"/>
+              <a:t>        &lt;/</a:t>
+            </a:r>
+            <a:r>
+              <a:rPr lang="en-US" altLang="zh-CN" b="1" dirty="0"/>
+              <a:t>ion-list</a:t>
+            </a:r>
+            <a:r>
+              <a:rPr lang="en-US" altLang="zh-CN" dirty="0" smtClean="0"/>
+              <a:t>&gt;</a:t>
+            </a:r>
+          </a:p>
+          <a:p>
+            <a:pPr marL="361587" lvl="1" indent="0">
+              <a:buNone/>
+            </a:pPr>
+            <a:r>
+              <a:rPr lang="en-US" altLang="zh-CN" dirty="0"/>
+              <a:t> </a:t>
+            </a:r>
+            <a:r>
+              <a:rPr lang="en-US" altLang="zh-CN" dirty="0" smtClean="0"/>
+              <a:t>        …</a:t>
+            </a:r>
+          </a:p>
+          <a:p>
+            <a:pPr marL="361587" lvl="1" indent="0">
+              <a:buNone/>
+            </a:pPr>
+            <a:r>
+              <a:rPr lang="en-US" altLang="zh-CN" b="1" dirty="0" smtClean="0"/>
+              <a:t>&lt;/div&gt;</a:t>
+            </a:r>
+          </a:p>
+          <a:p>
+            <a:pPr marL="591775" lvl="1"/>
+            <a:endParaRPr lang="en-US" altLang="zh-CN" sz="2000" dirty="0" smtClean="0"/>
+          </a:p>
+        </p:txBody>
+      </p:sp>
+      <p:sp>
+        <p:nvSpPr>
+          <p:cNvPr id="25603" name="内容占位符 4"/>
+          <p:cNvSpPr>
+            <a:spLocks noGrp="1"/>
+          </p:cNvSpPr>
+          <p:nvPr>
+            <p:ph sz="quarter" idx="11"/>
+          </p:nvPr>
+        </p:nvSpPr>
+        <p:spPr bwMode="auto">
+          <a:xfrm>
+            <a:off x="909638" y="236538"/>
+            <a:ext cx="7575550" cy="490537"/>
+          </a:xfrm>
+          <a:extLst>
+            <a:ext uri="{909E8E84-426E-40DD-AFC4-6F175D3DCCD1}">
+              <a14:hiddenFill xmlns:a14="http://schemas.microsoft.com/office/drawing/2010/main">
+                <a:solidFill>
+                  <a:srgbClr val="FFFFFF"/>
+                </a:solidFill>
+              </a14:hiddenFill>
+            </a:ext>
+            <a:ext uri="{91240B29-F687-4F45-9708-019B960494DF}">
+              <a14:hiddenLine xmlns:a14="http://schemas.microsoft.com/office/drawing/2010/main" w="9525">
+                <a:solidFill>
+                  <a:srgbClr val="000000"/>
+                </a:solidFill>
+                <a:miter lim="800000"/>
+                <a:headEnd/>
+                <a:tailEnd/>
+              </a14:hiddenLine>
+            </a:ext>
+          </a:extLst>
+        </p:spPr>
+        <p:txBody>
+          <a:bodyPr vert="horz" wrap="square" lIns="91440" tIns="45720" rIns="91440" bIns="45720" numCol="1" anchor="t" anchorCtr="0" compatLnSpc="1">
+            <a:prstTxWarp prst="textNoShape">
+              <a:avLst/>
+            </a:prstTxWarp>
+          </a:bodyPr>
+          <a:lstStyle/>
+          <a:p>
+            <a:pPr>
+              <a:defRPr/>
+            </a:pPr>
+            <a:r>
+              <a:rPr lang="zh-CN" altLang="en-US" dirty="0" smtClean="0">
+                <a:latin typeface="+mn-ea"/>
+                <a:ea typeface="+mn-ea"/>
+              </a:rPr>
+              <a:t>节点按钮</a:t>
+            </a:r>
+            <a:r>
+              <a:rPr lang="zh-CN" altLang="en-US" dirty="0" smtClean="0">
+                <a:latin typeface="+mn-ea"/>
+                <a:ea typeface="+mn-ea"/>
+              </a:rPr>
+              <a:t>组件</a:t>
+            </a:r>
+            <a:endParaRPr lang="zh-CN" altLang="en-US" dirty="0" smtClean="0">
+              <a:latin typeface="+mn-ea"/>
+              <a:ea typeface="+mn-ea"/>
+            </a:endParaRPr>
+          </a:p>
+        </p:txBody>
+      </p:sp>
+    </p:spTree>
+    <p:extLst>
+      <p:ext uri="{BB962C8B-B14F-4D97-AF65-F5344CB8AC3E}">
+        <p14:creationId xmlns:p14="http://schemas.microsoft.com/office/powerpoint/2010/main" val="1999258615"/>
+      </p:ext>
+    </p:extLst>
+  </p:cSld>
+  <p:clrMapOvr>
+    <a:masterClrMapping/>
+  </p:clrMapOvr>
+  <p:timing>
+    <p:tnLst>
+      <p:par>
+        <p:cTn id="1" dur="indefinite" restart="never" nodeType="tmRoot"/>
+      </p:par>
+    </p:tnLst>
+  </p:timing>
+</p:sld>
+</file>
+
+<file path=ppt/slides/slide13.xml><?xml version="1.0" encoding="utf-8"?>
+<p:sld xmlns:a="http://schemas.openxmlformats.org/drawingml/2006/main" xmlns:r="http://schemas.openxmlformats.org/officeDocument/2006/relationships" xmlns:p="http://schemas.openxmlformats.org/presentationml/2006/main">
+  <p:cSld>
+    <p:spTree>
+      <p:nvGrpSpPr>
+        <p:cNvPr id="1" name=""/>
+        <p:cNvGrpSpPr/>
+        <p:nvPr/>
+      </p:nvGrpSpPr>
+      <p:grpSpPr>
+        <a:xfrm>
+          <a:off x="0" y="0"/>
+          <a:ext cx="0" cy="0"/>
+          <a:chOff x="0" y="0"/>
+          <a:chExt cx="0" cy="0"/>
+        </a:xfrm>
+      </p:grpSpPr>
       <p:pic>
         <p:nvPicPr>
           <p:cNvPr id="69634" name="Picture 5"/>
@@ -6724,18 +7565,12 @@
             </a:pPr>
             <a:r>
               <a:rPr lang="zh-CN" altLang="en-US" sz="2800" b="1" dirty="0">
-                <a:solidFill>
-                  <a:srgbClr val="C00000"/>
-                </a:solidFill>
                 <a:latin typeface="+mj-ea"/>
                 <a:ea typeface="+mj-ea"/>
               </a:rPr>
               <a:t>菜单组件</a:t>
             </a:r>
             <a:endParaRPr lang="en-US" altLang="zh-CN" sz="2800" b="1" dirty="0">
-              <a:solidFill>
-                <a:srgbClr val="C00000"/>
-              </a:solidFill>
               <a:latin typeface="+mj-ea"/>
               <a:ea typeface="+mj-ea"/>
             </a:endParaRPr>
@@ -6753,12 +7588,18 @@
             </a:pPr>
             <a:r>
               <a:rPr lang="zh-CN" altLang="en-US" sz="2800" b="1" dirty="0" smtClean="0">
+                <a:solidFill>
+                  <a:srgbClr val="C00000"/>
+                </a:solidFill>
                 <a:latin typeface="+mj-ea"/>
                 <a:ea typeface="+mj-ea"/>
               </a:rPr>
               <a:t>节点按钮组件</a:t>
             </a:r>
             <a:endParaRPr lang="en-US" altLang="zh-CN" sz="2800" b="1" dirty="0">
+              <a:solidFill>
+                <a:srgbClr val="C00000"/>
+              </a:solidFill>
               <a:latin typeface="+mj-ea"/>
               <a:ea typeface="+mj-ea"/>
             </a:endParaRPr>
